--- a/High Performance Employee Churn Presentation - Peter Lambert.pptx
+++ b/High Performance Employee Churn Presentation - Peter Lambert.pptx
@@ -271,7 +271,7 @@
           <a:p>
             <a:fld id="{F352A77B-D33C-49B3-A83C-450AA2ED72B3}" type="datetimeFigureOut">
               <a:rPr lang="en-US" smtClean="0"/>
-              <a:t>4/20/2023</a:t>
+              <a:t>4/24/2023</a:t>
             </a:fld>
             <a:endParaRPr lang="en-US" dirty="0"/>
           </a:p>
@@ -448,7 +448,7 @@
           <a:p>
             <a:fld id="{E38D8F9A-F5CB-4EF8-A859-ED5E107B9763}" type="datetimeFigureOut">
               <a:rPr lang="en-US" smtClean="0"/>
-              <a:t>4/20/2023</a:t>
+              <a:t>4/24/2023</a:t>
             </a:fld>
             <a:endParaRPr lang="en-US" dirty="0"/>
           </a:p>
@@ -18843,7 +18843,7 @@
             </a:pPr>
             <a:r>
               <a:rPr lang="en-ZA" noProof="1"/>
-              <a:t>Use Quantsparks Classification model to understand when an employee has been categorized as above a certain threshold for leaving.</a:t>
+              <a:t>Use our classification model to understand when an employee has been categorized as above a certain threshold for leaving.</a:t>
             </a:r>
           </a:p>
           <a:p>
@@ -25777,6 +25777,34 @@
 </file>
 
 <file path=customXml/item1.xml><?xml version="1.0" encoding="utf-8"?>
+<?mso-contentType ?>
+<FormTemplates xmlns="http://schemas.microsoft.com/sharepoint/v3/contenttype/forms">
+  <Display>DocumentLibraryForm</Display>
+  <Edit>DocumentLibraryForm</Edit>
+  <New>DocumentLibraryForm</New>
+</FormTemplates>
+</file>
+
+<file path=customXml/item2.xml><?xml version="1.0" encoding="utf-8"?>
+<p:properties xmlns:p="http://schemas.microsoft.com/office/2006/metadata/properties" xmlns:xsi="http://www.w3.org/2001/XMLSchema-instance" xmlns:pc="http://schemas.microsoft.com/office/infopath/2007/PartnerControls">
+  <documentManagement>
+    <_ip_UnifiedCompliancePolicyUIAction xmlns="http://schemas.microsoft.com/sharepoint/v3" xsi:nil="true"/>
+    <Image xmlns="71af3243-3dd4-4a8d-8c0d-dd76da1f02a5">
+      <Url xsi:nil="true"/>
+      <Description xsi:nil="true"/>
+    </Image>
+    <Status xmlns="71af3243-3dd4-4a8d-8c0d-dd76da1f02a5">Not started</Status>
+    <_ip_UnifiedCompliancePolicyProperties xmlns="http://schemas.microsoft.com/sharepoint/v3" xsi:nil="true"/>
+    <ImageTagsTaxHTField xmlns="71af3243-3dd4-4a8d-8c0d-dd76da1f02a5">
+      <Terms xmlns="http://schemas.microsoft.com/office/infopath/2007/PartnerControls"/>
+    </ImageTagsTaxHTField>
+    <TaxCatchAll xmlns="230e9df3-be65-4c73-a93b-d1236ebd677e"/>
+    <MediaServiceKeyPoints xmlns="71af3243-3dd4-4a8d-8c0d-dd76da1f02a5" xsi:nil="true"/>
+  </documentManagement>
+</p:properties>
+</file>
+
+<file path=customXml/item3.xml><?xml version="1.0" encoding="utf-8"?>
 <ct:contentTypeSchema xmlns:ct="http://schemas.microsoft.com/office/2006/metadata/contentType" xmlns:ma="http://schemas.microsoft.com/office/2006/metadata/properties/metaAttributes" ct:_="" ma:_="" ma:contentTypeName="Document" ma:contentTypeID="0x01010079F111ED35F8CC479449609E8A0923A6" ma:contentTypeVersion="20" ma:contentTypeDescription="Create a new document." ma:contentTypeScope="" ma:versionID="1267097ee5f5874adfcc408041ae252e">
   <xsd:schema xmlns:xsd="http://www.w3.org/2001/XMLSchema" xmlns:xs="http://www.w3.org/2001/XMLSchema" xmlns:p="http://schemas.microsoft.com/office/2006/metadata/properties" xmlns:ns1="http://schemas.microsoft.com/sharepoint/v3" xmlns:ns2="71af3243-3dd4-4a8d-8c0d-dd76da1f02a5" xmlns:ns3="16c05727-aa75-4e4a-9b5f-8a80a1165891" xmlns:ns4="230e9df3-be65-4c73-a93b-d1236ebd677e" targetNamespace="http://schemas.microsoft.com/office/2006/metadata/properties" ma:root="true" ma:fieldsID="395891a93df65b14727750f2c06c306c" ns1:_="" ns2:_="" ns3:_="" ns4:_="">
     <xsd:import namespace="http://schemas.microsoft.com/sharepoint/v3"/>
@@ -26052,35 +26080,27 @@
 </ct:contentTypeSchema>
 </file>
 
-<file path=customXml/item2.xml><?xml version="1.0" encoding="utf-8"?>
-<p:properties xmlns:p="http://schemas.microsoft.com/office/2006/metadata/properties" xmlns:xsi="http://www.w3.org/2001/XMLSchema-instance" xmlns:pc="http://schemas.microsoft.com/office/infopath/2007/PartnerControls">
-  <documentManagement>
-    <_ip_UnifiedCompliancePolicyUIAction xmlns="http://schemas.microsoft.com/sharepoint/v3" xsi:nil="true"/>
-    <Image xmlns="71af3243-3dd4-4a8d-8c0d-dd76da1f02a5">
-      <Url xsi:nil="true"/>
-      <Description xsi:nil="true"/>
-    </Image>
-    <Status xmlns="71af3243-3dd4-4a8d-8c0d-dd76da1f02a5">Not started</Status>
-    <_ip_UnifiedCompliancePolicyProperties xmlns="http://schemas.microsoft.com/sharepoint/v3" xsi:nil="true"/>
-    <ImageTagsTaxHTField xmlns="71af3243-3dd4-4a8d-8c0d-dd76da1f02a5">
-      <Terms xmlns="http://schemas.microsoft.com/office/infopath/2007/PartnerControls"/>
-    </ImageTagsTaxHTField>
-    <TaxCatchAll xmlns="230e9df3-be65-4c73-a93b-d1236ebd677e"/>
-    <MediaServiceKeyPoints xmlns="71af3243-3dd4-4a8d-8c0d-dd76da1f02a5" xsi:nil="true"/>
-  </documentManagement>
-</p:properties>
+<file path=customXml/itemProps1.xml><?xml version="1.0" encoding="utf-8"?>
+<ds:datastoreItem xmlns:ds="http://schemas.openxmlformats.org/officeDocument/2006/customXml" ds:itemID="{2815A6BF-B4A3-4B5C-B85C-0D4CB6AE15C7}">
+  <ds:schemaRefs>
+    <ds:schemaRef ds:uri="http://schemas.microsoft.com/sharepoint/v3/contenttype/forms"/>
+  </ds:schemaRefs>
+</ds:datastoreItem>
 </file>
 
-<file path=customXml/item3.xml><?xml version="1.0" encoding="utf-8"?>
-<?mso-contentType ?>
-<FormTemplates xmlns="http://schemas.microsoft.com/sharepoint/v3/contenttype/forms">
-  <Display>DocumentLibraryForm</Display>
-  <Edit>DocumentLibraryForm</Edit>
-  <New>DocumentLibraryForm</New>
-</FormTemplates>
+<file path=customXml/itemProps2.xml><?xml version="1.0" encoding="utf-8"?>
+<ds:datastoreItem xmlns:ds="http://schemas.openxmlformats.org/officeDocument/2006/customXml" ds:itemID="{E7D61E6D-BC40-43C3-A154-0081729E0F7E}">
+  <ds:schemaRefs>
+    <ds:schemaRef ds:uri="http://schemas.microsoft.com/office/2006/metadata/properties"/>
+    <ds:schemaRef ds:uri="http://schemas.microsoft.com/office/infopath/2007/PartnerControls"/>
+    <ds:schemaRef ds:uri="http://schemas.microsoft.com/sharepoint/v3"/>
+    <ds:schemaRef ds:uri="71af3243-3dd4-4a8d-8c0d-dd76da1f02a5"/>
+    <ds:schemaRef ds:uri="230e9df3-be65-4c73-a93b-d1236ebd677e"/>
+  </ds:schemaRefs>
+</ds:datastoreItem>
 </file>
 
-<file path=customXml/itemProps1.xml><?xml version="1.0" encoding="utf-8"?>
+<file path=customXml/itemProps3.xml><?xml version="1.0" encoding="utf-8"?>
 <ds:datastoreItem xmlns:ds="http://schemas.openxmlformats.org/officeDocument/2006/customXml" ds:itemID="{9081D1F3-EE22-4802-8DFA-C4795BD0F382}">
   <ds:schemaRefs>
     <ds:schemaRef ds:uri="http://schemas.microsoft.com/office/2006/metadata/contentType"/>
@@ -26101,26 +26121,6 @@
 </ds:datastoreItem>
 </file>
 
-<file path=customXml/itemProps2.xml><?xml version="1.0" encoding="utf-8"?>
-<ds:datastoreItem xmlns:ds="http://schemas.openxmlformats.org/officeDocument/2006/customXml" ds:itemID="{E7D61E6D-BC40-43C3-A154-0081729E0F7E}">
-  <ds:schemaRefs>
-    <ds:schemaRef ds:uri="http://schemas.microsoft.com/office/2006/metadata/properties"/>
-    <ds:schemaRef ds:uri="http://schemas.microsoft.com/office/infopath/2007/PartnerControls"/>
-    <ds:schemaRef ds:uri="http://schemas.microsoft.com/sharepoint/v3"/>
-    <ds:schemaRef ds:uri="71af3243-3dd4-4a8d-8c0d-dd76da1f02a5"/>
-    <ds:schemaRef ds:uri="230e9df3-be65-4c73-a93b-d1236ebd677e"/>
-  </ds:schemaRefs>
-</ds:datastoreItem>
-</file>
-
-<file path=customXml/itemProps3.xml><?xml version="1.0" encoding="utf-8"?>
-<ds:datastoreItem xmlns:ds="http://schemas.openxmlformats.org/officeDocument/2006/customXml" ds:itemID="{2815A6BF-B4A3-4B5C-B85C-0D4CB6AE15C7}">
-  <ds:schemaRefs>
-    <ds:schemaRef ds:uri="http://schemas.microsoft.com/sharepoint/v3/contenttype/forms"/>
-  </ds:schemaRefs>
-</ds:datastoreItem>
-</file>
-
 <file path=docMetadata/LabelInfo.xml><?xml version="1.0" encoding="utf-8"?>
 <clbl:labelList xmlns:clbl="http://schemas.microsoft.com/office/2020/mipLabelMetadata">
   <clbl:label id="{f42aa342-8706-4288-bd11-ebb85995028c}" enabled="1" method="Standard" siteId="{72f988bf-86f1-41af-91ab-2d7cd011db47}" removed="0"/>

--- a/High Performance Employee Churn Presentation - Peter Lambert.pptx
+++ b/High Performance Employee Churn Presentation - Peter Lambert.pptx
@@ -271,7 +271,7 @@
           <a:p>
             <a:fld id="{F352A77B-D33C-49B3-A83C-450AA2ED72B3}" type="datetimeFigureOut">
               <a:rPr lang="en-US" smtClean="0"/>
-              <a:t>4/20/2023</a:t>
+              <a:t>5/1/2023</a:t>
             </a:fld>
             <a:endParaRPr lang="en-US" dirty="0"/>
           </a:p>
@@ -448,7 +448,7 @@
           <a:p>
             <a:fld id="{E38D8F9A-F5CB-4EF8-A859-ED5E107B9763}" type="datetimeFigureOut">
               <a:rPr lang="en-US" smtClean="0"/>
-              <a:t>4/20/2023</a:t>
+              <a:t>5/1/2023</a:t>
             </a:fld>
             <a:endParaRPr lang="en-US" dirty="0"/>
           </a:p>
@@ -18843,7 +18843,7 @@
             </a:pPr>
             <a:r>
               <a:rPr lang="en-ZA" noProof="1"/>
-              <a:t>Use Quantsparks Classification model to understand when an employee has been categorized as above a certain threshold for leaving.</a:t>
+              <a:t>Use Classification model to understand when an employee has been categorized as above a certain threshold for leaving.</a:t>
             </a:r>
           </a:p>
           <a:p>
@@ -25777,6 +25777,25 @@
 </file>
 
 <file path=customXml/item1.xml><?xml version="1.0" encoding="utf-8"?>
+<p:properties xmlns:p="http://schemas.microsoft.com/office/2006/metadata/properties" xmlns:xsi="http://www.w3.org/2001/XMLSchema-instance" xmlns:pc="http://schemas.microsoft.com/office/infopath/2007/PartnerControls">
+  <documentManagement>
+    <_ip_UnifiedCompliancePolicyUIAction xmlns="http://schemas.microsoft.com/sharepoint/v3" xsi:nil="true"/>
+    <Image xmlns="71af3243-3dd4-4a8d-8c0d-dd76da1f02a5">
+      <Url xsi:nil="true"/>
+      <Description xsi:nil="true"/>
+    </Image>
+    <Status xmlns="71af3243-3dd4-4a8d-8c0d-dd76da1f02a5">Not started</Status>
+    <_ip_UnifiedCompliancePolicyProperties xmlns="http://schemas.microsoft.com/sharepoint/v3" xsi:nil="true"/>
+    <ImageTagsTaxHTField xmlns="71af3243-3dd4-4a8d-8c0d-dd76da1f02a5">
+      <Terms xmlns="http://schemas.microsoft.com/office/infopath/2007/PartnerControls"/>
+    </ImageTagsTaxHTField>
+    <TaxCatchAll xmlns="230e9df3-be65-4c73-a93b-d1236ebd677e"/>
+    <MediaServiceKeyPoints xmlns="71af3243-3dd4-4a8d-8c0d-dd76da1f02a5" xsi:nil="true"/>
+  </documentManagement>
+</p:properties>
+</file>
+
+<file path=customXml/item2.xml><?xml version="1.0" encoding="utf-8"?>
 <ct:contentTypeSchema xmlns:ct="http://schemas.microsoft.com/office/2006/metadata/contentType" xmlns:ma="http://schemas.microsoft.com/office/2006/metadata/properties/metaAttributes" ct:_="" ma:_="" ma:contentTypeName="Document" ma:contentTypeID="0x01010079F111ED35F8CC479449609E8A0923A6" ma:contentTypeVersion="20" ma:contentTypeDescription="Create a new document." ma:contentTypeScope="" ma:versionID="1267097ee5f5874adfcc408041ae252e">
   <xsd:schema xmlns:xsd="http://www.w3.org/2001/XMLSchema" xmlns:xs="http://www.w3.org/2001/XMLSchema" xmlns:p="http://schemas.microsoft.com/office/2006/metadata/properties" xmlns:ns1="http://schemas.microsoft.com/sharepoint/v3" xmlns:ns2="71af3243-3dd4-4a8d-8c0d-dd76da1f02a5" xmlns:ns3="16c05727-aa75-4e4a-9b5f-8a80a1165891" xmlns:ns4="230e9df3-be65-4c73-a93b-d1236ebd677e" targetNamespace="http://schemas.microsoft.com/office/2006/metadata/properties" ma:root="true" ma:fieldsID="395891a93df65b14727750f2c06c306c" ns1:_="" ns2:_="" ns3:_="" ns4:_="">
     <xsd:import namespace="http://schemas.microsoft.com/sharepoint/v3"/>
@@ -26052,25 +26071,6 @@
 </ct:contentTypeSchema>
 </file>
 
-<file path=customXml/item2.xml><?xml version="1.0" encoding="utf-8"?>
-<p:properties xmlns:p="http://schemas.microsoft.com/office/2006/metadata/properties" xmlns:xsi="http://www.w3.org/2001/XMLSchema-instance" xmlns:pc="http://schemas.microsoft.com/office/infopath/2007/PartnerControls">
-  <documentManagement>
-    <_ip_UnifiedCompliancePolicyUIAction xmlns="http://schemas.microsoft.com/sharepoint/v3" xsi:nil="true"/>
-    <Image xmlns="71af3243-3dd4-4a8d-8c0d-dd76da1f02a5">
-      <Url xsi:nil="true"/>
-      <Description xsi:nil="true"/>
-    </Image>
-    <Status xmlns="71af3243-3dd4-4a8d-8c0d-dd76da1f02a5">Not started</Status>
-    <_ip_UnifiedCompliancePolicyProperties xmlns="http://schemas.microsoft.com/sharepoint/v3" xsi:nil="true"/>
-    <ImageTagsTaxHTField xmlns="71af3243-3dd4-4a8d-8c0d-dd76da1f02a5">
-      <Terms xmlns="http://schemas.microsoft.com/office/infopath/2007/PartnerControls"/>
-    </ImageTagsTaxHTField>
-    <TaxCatchAll xmlns="230e9df3-be65-4c73-a93b-d1236ebd677e"/>
-    <MediaServiceKeyPoints xmlns="71af3243-3dd4-4a8d-8c0d-dd76da1f02a5" xsi:nil="true"/>
-  </documentManagement>
-</p:properties>
-</file>
-
 <file path=customXml/item3.xml><?xml version="1.0" encoding="utf-8"?>
 <?mso-contentType ?>
 <FormTemplates xmlns="http://schemas.microsoft.com/sharepoint/v3/contenttype/forms">
@@ -26081,6 +26081,18 @@
 </file>
 
 <file path=customXml/itemProps1.xml><?xml version="1.0" encoding="utf-8"?>
+<ds:datastoreItem xmlns:ds="http://schemas.openxmlformats.org/officeDocument/2006/customXml" ds:itemID="{E7D61E6D-BC40-43C3-A154-0081729E0F7E}">
+  <ds:schemaRefs>
+    <ds:schemaRef ds:uri="http://schemas.microsoft.com/office/2006/metadata/properties"/>
+    <ds:schemaRef ds:uri="http://schemas.microsoft.com/office/infopath/2007/PartnerControls"/>
+    <ds:schemaRef ds:uri="http://schemas.microsoft.com/sharepoint/v3"/>
+    <ds:schemaRef ds:uri="71af3243-3dd4-4a8d-8c0d-dd76da1f02a5"/>
+    <ds:schemaRef ds:uri="230e9df3-be65-4c73-a93b-d1236ebd677e"/>
+  </ds:schemaRefs>
+</ds:datastoreItem>
+</file>
+
+<file path=customXml/itemProps2.xml><?xml version="1.0" encoding="utf-8"?>
 <ds:datastoreItem xmlns:ds="http://schemas.openxmlformats.org/officeDocument/2006/customXml" ds:itemID="{9081D1F3-EE22-4802-8DFA-C4795BD0F382}">
   <ds:schemaRefs>
     <ds:schemaRef ds:uri="http://schemas.microsoft.com/office/2006/metadata/contentType"/>
@@ -26101,18 +26113,6 @@
 </ds:datastoreItem>
 </file>
 
-<file path=customXml/itemProps2.xml><?xml version="1.0" encoding="utf-8"?>
-<ds:datastoreItem xmlns:ds="http://schemas.openxmlformats.org/officeDocument/2006/customXml" ds:itemID="{E7D61E6D-BC40-43C3-A154-0081729E0F7E}">
-  <ds:schemaRefs>
-    <ds:schemaRef ds:uri="http://schemas.microsoft.com/office/2006/metadata/properties"/>
-    <ds:schemaRef ds:uri="http://schemas.microsoft.com/office/infopath/2007/PartnerControls"/>
-    <ds:schemaRef ds:uri="http://schemas.microsoft.com/sharepoint/v3"/>
-    <ds:schemaRef ds:uri="71af3243-3dd4-4a8d-8c0d-dd76da1f02a5"/>
-    <ds:schemaRef ds:uri="230e9df3-be65-4c73-a93b-d1236ebd677e"/>
-  </ds:schemaRefs>
-</ds:datastoreItem>
-</file>
-
 <file path=customXml/itemProps3.xml><?xml version="1.0" encoding="utf-8"?>
 <ds:datastoreItem xmlns:ds="http://schemas.openxmlformats.org/officeDocument/2006/customXml" ds:itemID="{2815A6BF-B4A3-4B5C-B85C-0D4CB6AE15C7}">
   <ds:schemaRefs>
